--- a/spring13/slides13/microquiz9w.pptx
+++ b/spring13/slides13/microquiz9w.pptx
@@ -1367,7 +1367,7 @@
           <a:graphicData uri="http://schemas.openxmlformats.org/presentationml/2006/ole">
             <mc:AlternateContent xmlns:mc="http://schemas.openxmlformats.org/markup-compatibility/2006">
               <mc:Choice xmlns:v="urn:schemas-microsoft-com:vml" Requires="v">
-                <p:oleObj spid="_x0000_s1034" name="Equation" r:id="rId3" imgW="546100" imgH="330200" progId="Equation.DSMT4">
+                <p:oleObj spid="_x0000_s1037" name="Equation" r:id="rId3" imgW="546100" imgH="330200" progId="Equation.DSMT4">
                   <p:embed/>
                 </p:oleObj>
               </mc:Choice>
@@ -1424,7 +1424,7 @@
           <a:graphicData uri="http://schemas.openxmlformats.org/presentationml/2006/ole">
             <mc:AlternateContent xmlns:mc="http://schemas.openxmlformats.org/markup-compatibility/2006">
               <mc:Choice xmlns:v="urn:schemas-microsoft-com:vml" Requires="v">
-                <p:oleObj spid="_x0000_s1035" name="Equation" r:id="rId5" imgW="520700" imgH="584200" progId="Equation.DSMT4">
+                <p:oleObj spid="_x0000_s1038" name="Equation" r:id="rId5" imgW="520700" imgH="584200" progId="Equation.DSMT4">
                   <p:embed/>
                 </p:oleObj>
               </mc:Choice>
@@ -1468,7 +1468,7 @@
         <p:spPr>
           <a:xfrm>
             <a:off x="1628325" y="388045"/>
-            <a:ext cx="5887349" cy="584776"/>
+            <a:ext cx="6072095" cy="584776"/>
           </a:xfrm>
           <a:prstGeom prst="rect">
             <a:avLst/>
@@ -1500,7 +1500,28 @@
                 <a:latin typeface="Comic Sans MS"/>
                 <a:cs typeface="Comic Sans MS"/>
               </a:rPr>
-              <a:t> April 8, 2013</a:t>
+              <a:t> </a:t>
+            </a:r>
+            <a:r>
+              <a:rPr lang="en-US" sz="3200" smtClean="0">
+                <a:latin typeface="Comic Sans MS"/>
+                <a:cs typeface="Comic Sans MS"/>
+              </a:rPr>
+              <a:t>April </a:t>
+            </a:r>
+            <a:r>
+              <a:rPr lang="en-US" sz="3200" smtClean="0">
+                <a:latin typeface="Comic Sans MS"/>
+                <a:cs typeface="Comic Sans MS"/>
+              </a:rPr>
+              <a:t>10, </a:t>
+            </a:r>
+            <a:r>
+              <a:rPr lang="en-US" sz="3200" dirty="0" smtClean="0">
+                <a:latin typeface="Comic Sans MS"/>
+                <a:cs typeface="Comic Sans MS"/>
+              </a:rPr>
+              <a:t>2013</a:t>
             </a:r>
             <a:endParaRPr lang="en-US" sz="3200" dirty="0">
               <a:latin typeface="Comic Sans MS"/>

--- a/spring13/slides13/microquiz9w.pptx
+++ b/spring13/slides13/microquiz9w.pptx
@@ -632,7 +632,7 @@
         <p:spPr bwMode="auto">
           <a:xfrm>
             <a:off x="4125913" y="6611938"/>
-            <a:ext cx="991941" cy="261610"/>
+            <a:ext cx="1049674" cy="261610"/>
           </a:xfrm>
           <a:prstGeom prst="rect">
             <a:avLst/>
@@ -665,7 +665,13 @@
               <a:rPr lang="en-US" sz="1000" baseline="0" dirty="0" smtClean="0">
                 <a:latin typeface="Comic Sans MS" pitchFamily="66" charset="0"/>
               </a:rPr>
-              <a:t> 8</a:t>
+              <a:t> </a:t>
+            </a:r>
+            <a:r>
+              <a:rPr lang="en-US" sz="1000" baseline="0" dirty="0" smtClean="0">
+                <a:latin typeface="Comic Sans MS" pitchFamily="66" charset="0"/>
+              </a:rPr>
+              <a:t>10</a:t>
             </a:r>
             <a:r>
               <a:rPr lang="en-US" sz="1000" dirty="0" smtClean="0">
@@ -1367,7 +1373,7 @@
           <a:graphicData uri="http://schemas.openxmlformats.org/presentationml/2006/ole">
             <mc:AlternateContent xmlns:mc="http://schemas.openxmlformats.org/markup-compatibility/2006">
               <mc:Choice xmlns:v="urn:schemas-microsoft-com:vml" Requires="v">
-                <p:oleObj spid="_x0000_s1037" name="Equation" r:id="rId3" imgW="546100" imgH="330200" progId="Equation.DSMT4">
+                <p:oleObj spid="_x0000_s1040" name="Equation" r:id="rId3" imgW="546100" imgH="330200" progId="Equation.DSMT4">
                   <p:embed/>
                 </p:oleObj>
               </mc:Choice>
@@ -1424,7 +1430,7 @@
           <a:graphicData uri="http://schemas.openxmlformats.org/presentationml/2006/ole">
             <mc:AlternateContent xmlns:mc="http://schemas.openxmlformats.org/markup-compatibility/2006">
               <mc:Choice xmlns:v="urn:schemas-microsoft-com:vml" Requires="v">
-                <p:oleObj spid="_x0000_s1038" name="Equation" r:id="rId5" imgW="520700" imgH="584200" progId="Equation.DSMT4">
+                <p:oleObj spid="_x0000_s1041" name="Equation" r:id="rId5" imgW="520700" imgH="584200" progId="Equation.DSMT4">
                   <p:embed/>
                 </p:oleObj>
               </mc:Choice>
@@ -1467,8 +1473,8 @@
         </p:nvSpPr>
         <p:spPr>
           <a:xfrm>
-            <a:off x="1628325" y="388045"/>
-            <a:ext cx="6072095" cy="584776"/>
+            <a:off x="2228349" y="318039"/>
+            <a:ext cx="4711646" cy="707886"/>
           </a:xfrm>
           <a:prstGeom prst="rect">
             <a:avLst/>
@@ -1482,48 +1488,27 @@
           <a:lstStyle/>
           <a:p>
             <a:r>
-              <a:rPr lang="en-US" sz="3200" dirty="0" smtClean="0">
+              <a:rPr lang="en-US" sz="4000" dirty="0" smtClean="0">
                 <a:latin typeface="Comic Sans MS"/>
                 <a:cs typeface="Comic Sans MS"/>
               </a:rPr>
               <a:t>6.042 </a:t>
             </a:r>
             <a:r>
-              <a:rPr lang="en-US" sz="3200" dirty="0" err="1" smtClean="0">
+              <a:rPr lang="en-US" sz="4000" dirty="0" smtClean="0">
                 <a:latin typeface="Comic Sans MS"/>
                 <a:cs typeface="Comic Sans MS"/>
               </a:rPr>
               <a:t>Microquiz</a:t>
             </a:r>
             <a:r>
-              <a:rPr lang="en-US" sz="3200" dirty="0" smtClean="0">
+              <a:rPr lang="en-US" sz="4000" dirty="0" smtClean="0">
                 <a:latin typeface="Comic Sans MS"/>
                 <a:cs typeface="Comic Sans MS"/>
               </a:rPr>
-              <a:t> </a:t>
-            </a:r>
-            <a:r>
-              <a:rPr lang="en-US" sz="3200" smtClean="0">
-                <a:latin typeface="Comic Sans MS"/>
-                <a:cs typeface="Comic Sans MS"/>
-              </a:rPr>
-              <a:t>April </a:t>
-            </a:r>
-            <a:r>
-              <a:rPr lang="en-US" sz="3200" smtClean="0">
-                <a:latin typeface="Comic Sans MS"/>
-                <a:cs typeface="Comic Sans MS"/>
-              </a:rPr>
-              <a:t>10, </a:t>
-            </a:r>
-            <a:r>
-              <a:rPr lang="en-US" sz="3200" dirty="0" smtClean="0">
-                <a:latin typeface="Comic Sans MS"/>
-                <a:cs typeface="Comic Sans MS"/>
-              </a:rPr>
-              <a:t>2013</a:t>
-            </a:r>
-            <a:endParaRPr lang="en-US" sz="3200" dirty="0">
+              <a:t>9w</a:t>
+            </a:r>
+            <a:endParaRPr lang="en-US" sz="4000" dirty="0">
               <a:latin typeface="Comic Sans MS"/>
               <a:cs typeface="Comic Sans MS"/>
             </a:endParaRPr>
